--- a/MICRO CREDIT FINANCE.pptx
+++ b/MICRO CREDIT FINANCE.pptx
@@ -308,7 +308,7 @@
           <a:p>
             <a:fld id="{05E63555-9B71-4002-BA10-1D8E07B6DCC9}" type="datetimeFigureOut">
               <a:rPr lang="en-US" smtClean="0"/>
-              <a:t>11/8/2020</a:t>
+              <a:t>11/13/2020</a:t>
             </a:fld>
             <a:endParaRPr lang="en-US"/>
           </a:p>
@@ -646,7 +646,7 @@
           <a:p>
             <a:fld id="{05E63555-9B71-4002-BA10-1D8E07B6DCC9}" type="datetimeFigureOut">
               <a:rPr lang="en-US" smtClean="0"/>
-              <a:t>11/8/2020</a:t>
+              <a:t>11/13/2020</a:t>
             </a:fld>
             <a:endParaRPr lang="en-US"/>
           </a:p>
@@ -1047,7 +1047,7 @@
           <a:p>
             <a:fld id="{05E63555-9B71-4002-BA10-1D8E07B6DCC9}" type="datetimeFigureOut">
               <a:rPr lang="en-US" smtClean="0"/>
-              <a:t>11/8/2020</a:t>
+              <a:t>11/13/2020</a:t>
             </a:fld>
             <a:endParaRPr lang="en-US"/>
           </a:p>
@@ -1383,7 +1383,7 @@
           <a:p>
             <a:fld id="{05E63555-9B71-4002-BA10-1D8E07B6DCC9}" type="datetimeFigureOut">
               <a:rPr lang="en-US" smtClean="0"/>
-              <a:t>11/8/2020</a:t>
+              <a:t>11/13/2020</a:t>
             </a:fld>
             <a:endParaRPr lang="en-US"/>
           </a:p>
@@ -1703,7 +1703,7 @@
           <a:p>
             <a:fld id="{05E63555-9B71-4002-BA10-1D8E07B6DCC9}" type="datetimeFigureOut">
               <a:rPr lang="en-US" smtClean="0"/>
-              <a:t>11/8/2020</a:t>
+              <a:t>11/13/2020</a:t>
             </a:fld>
             <a:endParaRPr lang="en-US"/>
           </a:p>
@@ -2099,7 +2099,7 @@
           <a:p>
             <a:fld id="{05E63555-9B71-4002-BA10-1D8E07B6DCC9}" type="datetimeFigureOut">
               <a:rPr lang="en-US" smtClean="0"/>
-              <a:t>11/8/2020</a:t>
+              <a:t>11/13/2020</a:t>
             </a:fld>
             <a:endParaRPr lang="en-US"/>
           </a:p>
@@ -2356,7 +2356,7 @@
           <a:p>
             <a:fld id="{05E63555-9B71-4002-BA10-1D8E07B6DCC9}" type="datetimeFigureOut">
               <a:rPr lang="en-US" smtClean="0"/>
-              <a:t>11/8/2020</a:t>
+              <a:t>11/13/2020</a:t>
             </a:fld>
             <a:endParaRPr lang="en-US"/>
           </a:p>
@@ -2618,7 +2618,7 @@
           <a:p>
             <a:fld id="{05E63555-9B71-4002-BA10-1D8E07B6DCC9}" type="datetimeFigureOut">
               <a:rPr lang="en-US" smtClean="0"/>
-              <a:t>11/8/2020</a:t>
+              <a:t>11/13/2020</a:t>
             </a:fld>
             <a:endParaRPr lang="en-US"/>
           </a:p>
@@ -2880,7 +2880,7 @@
           <a:p>
             <a:fld id="{05E63555-9B71-4002-BA10-1D8E07B6DCC9}" type="datetimeFigureOut">
               <a:rPr lang="en-US" smtClean="0"/>
-              <a:t>11/8/2020</a:t>
+              <a:t>11/13/2020</a:t>
             </a:fld>
             <a:endParaRPr lang="en-US"/>
           </a:p>
@@ -3209,7 +3209,7 @@
           <a:p>
             <a:fld id="{05E63555-9B71-4002-BA10-1D8E07B6DCC9}" type="datetimeFigureOut">
               <a:rPr lang="en-US" smtClean="0"/>
-              <a:t>11/8/2020</a:t>
+              <a:t>11/13/2020</a:t>
             </a:fld>
             <a:endParaRPr lang="en-US"/>
           </a:p>
@@ -3532,7 +3532,7 @@
           <a:p>
             <a:fld id="{05E63555-9B71-4002-BA10-1D8E07B6DCC9}" type="datetimeFigureOut">
               <a:rPr lang="en-US" smtClean="0"/>
-              <a:t>11/8/2020</a:t>
+              <a:t>11/13/2020</a:t>
             </a:fld>
             <a:endParaRPr lang="en-US"/>
           </a:p>
@@ -3989,7 +3989,7 @@
           <a:p>
             <a:fld id="{05E63555-9B71-4002-BA10-1D8E07B6DCC9}" type="datetimeFigureOut">
               <a:rPr lang="en-US" smtClean="0"/>
-              <a:t>11/8/2020</a:t>
+              <a:t>11/13/2020</a:t>
             </a:fld>
             <a:endParaRPr lang="en-US"/>
           </a:p>
@@ -4194,7 +4194,7 @@
           <a:p>
             <a:fld id="{05E63555-9B71-4002-BA10-1D8E07B6DCC9}" type="datetimeFigureOut">
               <a:rPr lang="en-US" smtClean="0"/>
-              <a:t>11/8/2020</a:t>
+              <a:t>11/13/2020</a:t>
             </a:fld>
             <a:endParaRPr lang="en-US"/>
           </a:p>
@@ -4371,7 +4371,7 @@
           <a:p>
             <a:fld id="{05E63555-9B71-4002-BA10-1D8E07B6DCC9}" type="datetimeFigureOut">
               <a:rPr lang="en-US" smtClean="0"/>
-              <a:t>11/8/2020</a:t>
+              <a:t>11/13/2020</a:t>
             </a:fld>
             <a:endParaRPr lang="en-US"/>
           </a:p>
@@ -4704,7 +4704,7 @@
           <a:p>
             <a:fld id="{05E63555-9B71-4002-BA10-1D8E07B6DCC9}" type="datetimeFigureOut">
               <a:rPr lang="en-US" smtClean="0"/>
-              <a:t>11/8/2020</a:t>
+              <a:t>11/13/2020</a:t>
             </a:fld>
             <a:endParaRPr lang="en-US"/>
           </a:p>
@@ -5049,7 +5049,7 @@
           <a:p>
             <a:fld id="{05E63555-9B71-4002-BA10-1D8E07B6DCC9}" type="datetimeFigureOut">
               <a:rPr lang="en-US" smtClean="0"/>
-              <a:t>11/8/2020</a:t>
+              <a:t>11/13/2020</a:t>
             </a:fld>
             <a:endParaRPr lang="en-US"/>
           </a:p>
@@ -7166,7 +7166,7 @@
           <a:p>
             <a:fld id="{05E63555-9B71-4002-BA10-1D8E07B6DCC9}" type="datetimeFigureOut">
               <a:rPr lang="en-US" smtClean="0"/>
-              <a:t>11/8/2020</a:t>
+              <a:t>11/13/2020</a:t>
             </a:fld>
             <a:endParaRPr lang="en-US"/>
           </a:p>
@@ -7949,17 +7949,7 @@
                 <a:latin typeface="Times New Roman" panose="02020603050405020304" pitchFamily="18" charset="0"/>
                 <a:cs typeface="Times New Roman" panose="02020603050405020304" pitchFamily="18" charset="0"/>
               </a:rPr>
-              <a:t>Nitin</a:t>
-            </a:r>
-            <a:r>
-              <a:rPr lang="en-US" sz="2400" dirty="0" smtClean="0">
-                <a:solidFill>
-                  <a:schemeClr val="tx1"/>
-                </a:solidFill>
-                <a:latin typeface="Times New Roman" panose="02020603050405020304" pitchFamily="18" charset="0"/>
-                <a:cs typeface="Times New Roman" panose="02020603050405020304" pitchFamily="18" charset="0"/>
-              </a:rPr>
-              <a:t> </a:t>
+              <a:t>Nitin </a:t>
             </a:r>
             <a:r>
               <a:rPr lang="en-US" sz="2400" dirty="0">
@@ -8818,7 +8808,7 @@
         <p:spPr/>
         <p:txBody>
           <a:bodyPr>
-            <a:normAutofit fontScale="55000" lnSpcReduction="20000"/>
+            <a:normAutofit fontScale="92500" lnSpcReduction="10000"/>
           </a:bodyPr>
           <a:lstStyle/>
           <a:p>
@@ -8909,7 +8899,12 @@
               <a:t>GaussianNB</a:t>
             </a:r>
             <a:endParaRPr lang="en-IN" sz="2900" dirty="0">
+              <a:solidFill>
+                <a:schemeClr val="tx1"/>
+              </a:solidFill>
+              <a:effectLst/>
               <a:latin typeface="Times New Roman" panose="02020603050405020304" pitchFamily="18" charset="0"/>
+              <a:ea typeface="Calibri" panose="020F0502020204030204" pitchFamily="34" charset="0"/>
               <a:cs typeface="Times New Roman" panose="02020603050405020304" pitchFamily="18" charset="0"/>
             </a:endParaRPr>
           </a:p>
@@ -8928,24 +8923,14 @@
               <a:buChar char="§"/>
             </a:pPr>
             <a:r>
-              <a:rPr lang="en-IN" sz="2900" dirty="0" smtClean="0">
-                <a:solidFill>
-                  <a:schemeClr val="tx1"/>
-                </a:solidFill>
-                <a:effectLst/>
+              <a:rPr lang="en-IN" sz="2900" dirty="0" err="1">
                 <a:latin typeface="Times New Roman" panose="02020603050405020304" pitchFamily="18" charset="0"/>
-                <a:ea typeface="Calibri" panose="020F0502020204030204" pitchFamily="34" charset="0"/>
                 <a:cs typeface="Times New Roman" panose="02020603050405020304" pitchFamily="18" charset="0"/>
               </a:rPr>
-              <a:t>Random Forest</a:t>
+              <a:t>DecisionTreeClassifie</a:t>
             </a:r>
             <a:endParaRPr lang="en-IN" sz="2900" dirty="0">
-              <a:solidFill>
-                <a:schemeClr val="tx1"/>
-              </a:solidFill>
-              <a:effectLst/>
               <a:latin typeface="Times New Roman" panose="02020603050405020304" pitchFamily="18" charset="0"/>
-              <a:ea typeface="Calibri" panose="020F0502020204030204" pitchFamily="34" charset="0"/>
               <a:cs typeface="Times New Roman" panose="02020603050405020304" pitchFamily="18" charset="0"/>
             </a:endParaRPr>
           </a:p>
@@ -8964,11 +8949,11 @@
               <a:buChar char="§"/>
             </a:pPr>
             <a:r>
-              <a:rPr lang="en-IN" sz="2900" dirty="0" err="1">
+              <a:rPr lang="en-IN" sz="2900" dirty="0" err="1" smtClean="0">
                 <a:latin typeface="Times New Roman" panose="02020603050405020304" pitchFamily="18" charset="0"/>
                 <a:cs typeface="Times New Roman" panose="02020603050405020304" pitchFamily="18" charset="0"/>
               </a:rPr>
-              <a:t>DecisionTreeClassifie</a:t>
+              <a:t>KNeighborsClassifier</a:t>
             </a:r>
             <a:endParaRPr lang="en-IN" sz="2900" dirty="0">
               <a:latin typeface="Times New Roman" panose="02020603050405020304" pitchFamily="18" charset="0"/>
@@ -8990,11 +8975,11 @@
               <a:buChar char="§"/>
             </a:pPr>
             <a:r>
-              <a:rPr lang="en-IN" sz="2900" dirty="0" err="1">
+              <a:rPr lang="en-IN" sz="2900" dirty="0" err="1" smtClean="0">
                 <a:latin typeface="Times New Roman" panose="02020603050405020304" pitchFamily="18" charset="0"/>
                 <a:cs typeface="Times New Roman" panose="02020603050405020304" pitchFamily="18" charset="0"/>
               </a:rPr>
-              <a:t>KNeighborsClassifier</a:t>
+              <a:t>RandomForestClassifier</a:t>
             </a:r>
             <a:endParaRPr lang="en-IN" sz="2900" dirty="0">
               <a:latin typeface="Times New Roman" panose="02020603050405020304" pitchFamily="18" charset="0"/>
@@ -9020,111 +9005,7 @@
                 <a:latin typeface="Times New Roman" panose="02020603050405020304" pitchFamily="18" charset="0"/>
                 <a:cs typeface="Times New Roman" panose="02020603050405020304" pitchFamily="18" charset="0"/>
               </a:rPr>
-              <a:t>GradientBoostingClassifier</a:t>
-            </a:r>
-            <a:endParaRPr lang="en-IN" sz="2900" dirty="0">
-              <a:latin typeface="Times New Roman" panose="02020603050405020304" pitchFamily="18" charset="0"/>
-              <a:cs typeface="Times New Roman" panose="02020603050405020304" pitchFamily="18" charset="0"/>
-            </a:endParaRPr>
-          </a:p>
-          <a:p>
-            <a:pPr lvl="1" indent="-342900">
-              <a:lnSpc>
-                <a:spcPct val="107000"/>
-              </a:lnSpc>
-              <a:spcBef>
-                <a:spcPts val="0"/>
-              </a:spcBef>
-              <a:spcAft>
-                <a:spcPts val="800"/>
-              </a:spcAft>
-              <a:buFont typeface="Wingdings" panose="05000000000000000000" pitchFamily="2" charset="2"/>
-              <a:buChar char="§"/>
-            </a:pPr>
-            <a:r>
-              <a:rPr lang="en-IN" sz="2900" dirty="0" err="1">
-                <a:latin typeface="Times New Roman" panose="02020603050405020304" pitchFamily="18" charset="0"/>
-                <a:cs typeface="Times New Roman" panose="02020603050405020304" pitchFamily="18" charset="0"/>
-              </a:rPr>
-              <a:t>RandomForestClassifier</a:t>
-            </a:r>
-            <a:endParaRPr lang="en-IN" sz="2900" dirty="0">
-              <a:latin typeface="Times New Roman" panose="02020603050405020304" pitchFamily="18" charset="0"/>
-              <a:cs typeface="Times New Roman" panose="02020603050405020304" pitchFamily="18" charset="0"/>
-            </a:endParaRPr>
-          </a:p>
-          <a:p>
-            <a:pPr lvl="1" indent="-342900">
-              <a:lnSpc>
-                <a:spcPct val="107000"/>
-              </a:lnSpc>
-              <a:spcBef>
-                <a:spcPts val="0"/>
-              </a:spcBef>
-              <a:spcAft>
-                <a:spcPts val="800"/>
-              </a:spcAft>
-              <a:buFont typeface="Wingdings" panose="05000000000000000000" pitchFamily="2" charset="2"/>
-              <a:buChar char="§"/>
-            </a:pPr>
-            <a:r>
-              <a:rPr lang="en-IN" sz="2900" dirty="0" err="1">
-                <a:latin typeface="Times New Roman" panose="02020603050405020304" pitchFamily="18" charset="0"/>
-                <a:cs typeface="Times New Roman" panose="02020603050405020304" pitchFamily="18" charset="0"/>
-              </a:rPr>
-              <a:t>AdaBoostClassifier</a:t>
-            </a:r>
-            <a:endParaRPr lang="en-IN" sz="2900" dirty="0">
-              <a:latin typeface="Times New Roman" panose="02020603050405020304" pitchFamily="18" charset="0"/>
-              <a:cs typeface="Times New Roman" panose="02020603050405020304" pitchFamily="18" charset="0"/>
-            </a:endParaRPr>
-          </a:p>
-          <a:p>
-            <a:pPr lvl="1" indent="-342900">
-              <a:lnSpc>
-                <a:spcPct val="107000"/>
-              </a:lnSpc>
-              <a:spcBef>
-                <a:spcPts val="0"/>
-              </a:spcBef>
-              <a:spcAft>
-                <a:spcPts val="800"/>
-              </a:spcAft>
-              <a:buFont typeface="Wingdings" panose="05000000000000000000" pitchFamily="2" charset="2"/>
-              <a:buChar char="§"/>
-            </a:pPr>
-            <a:r>
-              <a:rPr lang="en-IN" sz="2900" dirty="0" err="1">
-                <a:latin typeface="Times New Roman" panose="02020603050405020304" pitchFamily="18" charset="0"/>
-                <a:cs typeface="Times New Roman" panose="02020603050405020304" pitchFamily="18" charset="0"/>
-              </a:rPr>
               <a:t>BaggingClassifier</a:t>
-            </a:r>
-            <a:endParaRPr lang="en-IN" sz="2900" dirty="0">
-              <a:latin typeface="Times New Roman" panose="02020603050405020304" pitchFamily="18" charset="0"/>
-              <a:cs typeface="Times New Roman" panose="02020603050405020304" pitchFamily="18" charset="0"/>
-            </a:endParaRPr>
-          </a:p>
-          <a:p>
-            <a:pPr lvl="1" indent="-342900">
-              <a:lnSpc>
-                <a:spcPct val="107000"/>
-              </a:lnSpc>
-              <a:spcBef>
-                <a:spcPts val="0"/>
-              </a:spcBef>
-              <a:spcAft>
-                <a:spcPts val="800"/>
-              </a:spcAft>
-              <a:buFont typeface="Wingdings" panose="05000000000000000000" pitchFamily="2" charset="2"/>
-              <a:buChar char="§"/>
-            </a:pPr>
-            <a:r>
-              <a:rPr lang="en-IN" sz="2900" dirty="0" err="1">
-                <a:latin typeface="Times New Roman" panose="02020603050405020304" pitchFamily="18" charset="0"/>
-                <a:cs typeface="Times New Roman" panose="02020603050405020304" pitchFamily="18" charset="0"/>
-              </a:rPr>
-              <a:t>XGBClassifier</a:t>
             </a:r>
             <a:endParaRPr lang="en-IN" sz="2900" dirty="0">
               <a:latin typeface="Times New Roman" panose="02020603050405020304" pitchFamily="18" charset="0"/>
@@ -9289,46 +9170,91 @@
           </a:bodyPr>
           <a:lstStyle/>
           <a:p>
-            <a:pPr algn="just"/>
-            <a:r>
-              <a:rPr lang="en-IN" sz="2000" dirty="0" smtClean="0">
-                <a:solidFill>
-                  <a:schemeClr val="tx1"/>
-                </a:solidFill>
-                <a:effectLst/>
-                <a:latin typeface="Times New Roman" panose="02020603050405020304" pitchFamily="18" charset="0"/>
-                <a:ea typeface="Calibri" panose="020F0502020204030204" pitchFamily="34" charset="0"/>
-                <a:cs typeface="Times New Roman" panose="02020603050405020304" pitchFamily="18" charset="0"/>
-              </a:rPr>
-              <a:t>Random Forest with accuracy </a:t>
-            </a:r>
-            <a:r>
-              <a:rPr lang="en-IN" sz="2000" dirty="0"/>
-              <a:t>0.895</a:t>
-            </a:r>
-            <a:endParaRPr lang="en-IN" sz="2000" dirty="0">
-              <a:solidFill>
-                <a:schemeClr val="tx1"/>
-              </a:solidFill>
-              <a:effectLst/>
-              <a:latin typeface="Times New Roman" panose="02020603050405020304" pitchFamily="18" charset="0"/>
-              <a:ea typeface="Calibri" panose="020F0502020204030204" pitchFamily="34" charset="0"/>
-              <a:cs typeface="Times New Roman" panose="02020603050405020304" pitchFamily="18" charset="0"/>
-            </a:endParaRPr>
-          </a:p>
-          <a:p>
-            <a:pPr algn="just"/>
-            <a:r>
-              <a:rPr lang="en-US" sz="2000" dirty="0" smtClean="0">
-                <a:solidFill>
-                  <a:schemeClr val="tx1"/>
-                </a:solidFill>
-                <a:latin typeface="Times New Roman" panose="02020603050405020304" pitchFamily="18" charset="0"/>
-                <a:cs typeface="Times New Roman" panose="02020603050405020304" pitchFamily="18" charset="0"/>
-              </a:rPr>
-              <a:t>Confusion matrix</a:t>
-            </a:r>
-            <a:endParaRPr lang="en-US" sz="2000" dirty="0">
+            <a:pPr algn="just">
+              <a:buFont typeface="Courier New" panose="02070309020205020404" pitchFamily="49" charset="0"/>
+              <a:buChar char="o"/>
+            </a:pPr>
+            <a:r>
+              <a:rPr lang="en-IN" sz="2000" b="1" dirty="0" smtClean="0"/>
+              <a:t>Final model is Random Forest with hyper </a:t>
+            </a:r>
+            <a:r>
+              <a:rPr lang="en-IN" sz="2000" b="1" dirty="0"/>
+              <a:t>parameter tuning</a:t>
+            </a:r>
+          </a:p>
+          <a:p>
+            <a:pPr algn="just">
+              <a:buFont typeface="Courier New" panose="02070309020205020404" pitchFamily="49" charset="0"/>
+              <a:buChar char="o"/>
+            </a:pPr>
+            <a:r>
+              <a:rPr lang="en-IN" sz="2400" dirty="0" smtClean="0"/>
+              <a:t>Accuracy </a:t>
+            </a:r>
+            <a:r>
+              <a:rPr lang="en-IN" sz="2400" dirty="0"/>
+              <a:t>= </a:t>
+            </a:r>
+            <a:r>
+              <a:rPr lang="en-IN" sz="2400" dirty="0" smtClean="0"/>
+              <a:t>0.96 </a:t>
+            </a:r>
+          </a:p>
+          <a:p>
+            <a:pPr algn="just">
+              <a:buFont typeface="Courier New" panose="02070309020205020404" pitchFamily="49" charset="0"/>
+              <a:buChar char="o"/>
+            </a:pPr>
+            <a:r>
+              <a:rPr lang="en-IN" sz="2400" dirty="0" smtClean="0"/>
+              <a:t>Precision </a:t>
+            </a:r>
+            <a:r>
+              <a:rPr lang="en-IN" sz="2400" dirty="0"/>
+              <a:t>= </a:t>
+            </a:r>
+            <a:r>
+              <a:rPr lang="en-IN" sz="2400" dirty="0" smtClean="0"/>
+              <a:t>0.964 </a:t>
+            </a:r>
+          </a:p>
+          <a:p>
+            <a:pPr algn="just">
+              <a:buFont typeface="Courier New" panose="02070309020205020404" pitchFamily="49" charset="0"/>
+              <a:buChar char="o"/>
+            </a:pPr>
+            <a:r>
+              <a:rPr lang="en-IN" sz="2400" dirty="0" smtClean="0"/>
+              <a:t>Recall </a:t>
+            </a:r>
+            <a:r>
+              <a:rPr lang="en-IN" sz="2400" dirty="0"/>
+              <a:t>= </a:t>
+            </a:r>
+            <a:r>
+              <a:rPr lang="en-IN" sz="2400" dirty="0" smtClean="0"/>
+              <a:t>0.99</a:t>
+            </a:r>
+          </a:p>
+          <a:p>
+            <a:pPr algn="just">
+              <a:buFont typeface="Courier New" panose="02070309020205020404" pitchFamily="49" charset="0"/>
+              <a:buChar char="o"/>
+            </a:pPr>
+            <a:r>
+              <a:rPr lang="en-IN" sz="2400" dirty="0" smtClean="0"/>
+              <a:t>F1 </a:t>
+            </a:r>
+            <a:r>
+              <a:rPr lang="en-IN" sz="2400" dirty="0"/>
+              <a:t>Score = </a:t>
+            </a:r>
+            <a:r>
+              <a:rPr lang="en-IN" sz="2400" dirty="0" smtClean="0"/>
+              <a:t>0.98</a:t>
+            </a:r>
+            <a:endParaRPr lang="en-US" sz="2400" dirty="0">
               <a:solidFill>
                 <a:schemeClr val="tx1"/>
               </a:solidFill>
@@ -9340,7 +9266,7 @@
       </p:sp>
       <p:pic>
         <p:nvPicPr>
-          <p:cNvPr id="6" name="Picture 5"/>
+          <p:cNvPr id="4" name="Picture 3"/>
           <p:cNvPicPr>
             <a:picLocks noChangeAspect="1"/>
           </p:cNvPicPr>
@@ -9360,8 +9286,8 @@
         </p:blipFill>
         <p:spPr>
           <a:xfrm>
-            <a:off x="3085959" y="3262821"/>
-            <a:ext cx="4636556" cy="3163021"/>
+            <a:off x="6663193" y="2995916"/>
+            <a:ext cx="4971350" cy="3595716"/>
           </a:xfrm>
           <a:prstGeom prst="rect">
             <a:avLst/>
@@ -9439,14 +9365,7 @@
                 <a:latin typeface="Times New Roman" panose="02020603050405020304" pitchFamily="18" charset="0"/>
                 <a:cs typeface="Times New Roman" panose="02020603050405020304" pitchFamily="18" charset="0"/>
               </a:rPr>
-              <a:t>BEST</a:t>
-            </a:r>
-            <a:r>
-              <a:rPr lang="en-US" sz="4000" dirty="0" smtClean="0">
-                <a:latin typeface="Times New Roman" panose="02020603050405020304" pitchFamily="18" charset="0"/>
-                <a:cs typeface="Times New Roman" panose="02020603050405020304" pitchFamily="18" charset="0"/>
-              </a:rPr>
-              <a:t> </a:t>
+              <a:t>BEST </a:t>
             </a:r>
             <a:r>
               <a:rPr lang="en-US" sz="4000" dirty="0">
@@ -9460,7 +9379,7 @@
       </p:sp>
       <p:pic>
         <p:nvPicPr>
-          <p:cNvPr id="3" name="Picture 2"/>
+          <p:cNvPr id="4" name="Picture 3"/>
           <p:cNvPicPr>
             <a:picLocks noChangeAspect="1"/>
           </p:cNvPicPr>
@@ -9480,8 +9399,8 @@
         </p:blipFill>
         <p:spPr>
           <a:xfrm>
-            <a:off x="3644341" y="1764921"/>
-            <a:ext cx="4903317" cy="3328158"/>
+            <a:off x="2369028" y="1146463"/>
+            <a:ext cx="6973753" cy="4920568"/>
           </a:xfrm>
           <a:prstGeom prst="rect">
             <a:avLst/>
